--- a/documentation/Interface mockup.pptx
+++ b/documentation/Interface mockup.pptx
@@ -106,11 +106,6 @@
       </a:defRPr>
     </a:lvl9pPr>
   </p:defaultTextStyle>
-  <p:extLst>
-    <p:ext uri="{EFAFB233-063F-42B5-8137-9DF3F51BA10A}">
-      <p15:sldGuideLst xmlns:p15="http://schemas.microsoft.com/office/powerpoint/2012/main"/>
-    </p:ext>
-  </p:extLst>
 </p:presentation>
 </file>
 
@@ -3971,7 +3966,7 @@
     <p:controls>
       <mc:AlternateContent xmlns:mc="http://schemas.openxmlformats.org/markup-compatibility/2006">
         <mc:Choice xmlns:v="urn:schemas-microsoft-com:vml" Requires="v">
-          <p:control spid="1053" name="HTMLText1" r:id="rId2" imgW="1581120" imgH="276120"/>
+          <p:control spid="1049" name="HTMLText1" r:id="rId2" imgW="1581120" imgH="276120"/>
         </mc:Choice>
         <mc:Fallback>
           <p:control name="HTMLText1" r:id="rId2" imgW="1581120" imgH="276120">
@@ -4029,7 +4024,7 @@
       </mc:AlternateContent>
       <mc:AlternateContent xmlns:mc="http://schemas.openxmlformats.org/markup-compatibility/2006">
         <mc:Choice xmlns:v="urn:schemas-microsoft-com:vml" Requires="v">
-          <p:control spid="1054" name="HTMLPassword1" r:id="rId3" imgW="1581120" imgH="276120"/>
+          <p:control spid="1050" name="HTMLPassword1" r:id="rId3" imgW="1581120" imgH="276120"/>
         </mc:Choice>
         <mc:Fallback>
           <p:control name="HTMLPassword1" r:id="rId3" imgW="1581120" imgH="276120">
@@ -5121,7 +5116,7 @@
             <a:pPr algn="ctr"/>
             <a:r>
               <a:rPr lang="fr-FR" sz="2800" dirty="0"/>
-              <a:t>Statut</a:t>
+              <a:t>Location</a:t>
             </a:r>
           </a:p>
         </p:txBody>
@@ -5262,8 +5257,8 @@
         </p:nvSpPr>
         <p:spPr>
           <a:xfrm>
-            <a:off x="9124550" y="5518340"/>
-            <a:ext cx="1639244" cy="369332"/>
+            <a:off x="9264912" y="5482046"/>
+            <a:ext cx="1324688" cy="369332"/>
           </a:xfrm>
           <a:prstGeom prst="rect">
             <a:avLst/>
@@ -5278,7 +5273,15 @@
           <a:p>
             <a:r>
               <a:rPr lang="fr-FR" dirty="0"/>
-              <a:t>Stop/Running</a:t>
+              <a:t>GPS </a:t>
+            </a:r>
+            <a:r>
+              <a:rPr lang="fr-FR" dirty="0" err="1"/>
+              <a:t>coord</a:t>
+            </a:r>
+            <a:r>
+              <a:rPr lang="fr-FR" dirty="0"/>
+              <a:t>.</a:t>
             </a:r>
           </a:p>
         </p:txBody>
@@ -6469,7 +6472,7 @@
             <a:pPr algn="ctr"/>
             <a:r>
               <a:rPr lang="fr-FR" sz="2800" dirty="0"/>
-              <a:t>Statut</a:t>
+              <a:t>Location</a:t>
             </a:r>
           </a:p>
         </p:txBody>
@@ -6771,8 +6774,8 @@
         </p:nvSpPr>
         <p:spPr>
           <a:xfrm>
-            <a:off x="9276928" y="5514098"/>
-            <a:ext cx="1209212" cy="369332"/>
+            <a:off x="9276928" y="5541254"/>
+            <a:ext cx="1569598" cy="369332"/>
           </a:xfrm>
           <a:prstGeom prst="rect">
             <a:avLst/>
@@ -6787,7 +6790,7 @@
           <a:p>
             <a:r>
               <a:rPr lang="fr-CH" dirty="0"/>
-              <a:t>{{ state }}</a:t>
+              <a:t>{{ ??? }}</a:t>
             </a:r>
             <a:endParaRPr lang="fr-FR" dirty="0"/>
           </a:p>
